--- a/Student registration system/Student Registration Management System.pptx
+++ b/Student registration system/Student Registration Management System.pptx
@@ -8,10 +8,18 @@
     <p:sldId id="256" r:id="rId2"/>
     <p:sldId id="259" r:id="rId3"/>
     <p:sldId id="257" r:id="rId4"/>
-    <p:sldId id="258" r:id="rId5"/>
-    <p:sldId id="260" r:id="rId6"/>
-    <p:sldId id="262" r:id="rId7"/>
-    <p:sldId id="261" r:id="rId8"/>
+    <p:sldId id="262" r:id="rId5"/>
+    <p:sldId id="258" r:id="rId6"/>
+    <p:sldId id="263" r:id="rId7"/>
+    <p:sldId id="264" r:id="rId8"/>
+    <p:sldId id="260" r:id="rId9"/>
+    <p:sldId id="265" r:id="rId10"/>
+    <p:sldId id="266" r:id="rId11"/>
+    <p:sldId id="267" r:id="rId12"/>
+    <p:sldId id="268" r:id="rId13"/>
+    <p:sldId id="269" r:id="rId14"/>
+    <p:sldId id="270" r:id="rId15"/>
+    <p:sldId id="261" r:id="rId16"/>
   </p:sldIdLst>
   <p:sldSz cx="12192000" cy="6858000"/>
   <p:notesSz cx="6858000" cy="9144000"/>
@@ -267,7 +275,7 @@
           <a:p>
             <a:fld id="{3C2B07E4-CDF9-4C88-A2F3-04620E58224D}" type="datetimeFigureOut">
               <a:rPr lang="en-US" smtClean="0"/>
-              <a:t>9/28/2022</a:t>
+              <a:t>10/21/2022</a:t>
             </a:fld>
             <a:endParaRPr lang="en-US"/>
           </a:p>
@@ -557,7 +565,7 @@
           <a:p>
             <a:fld id="{3C2B07E4-CDF9-4C88-A2F3-04620E58224D}" type="datetimeFigureOut">
               <a:rPr lang="en-US" smtClean="0"/>
-              <a:t>9/28/2022</a:t>
+              <a:t>10/21/2022</a:t>
             </a:fld>
             <a:endParaRPr lang="en-US"/>
           </a:p>
@@ -809,7 +817,7 @@
           <a:p>
             <a:fld id="{3C2B07E4-CDF9-4C88-A2F3-04620E58224D}" type="datetimeFigureOut">
               <a:rPr lang="en-US" smtClean="0"/>
-              <a:t>9/28/2022</a:t>
+              <a:t>10/21/2022</a:t>
             </a:fld>
             <a:endParaRPr lang="en-US"/>
           </a:p>
@@ -1061,7 +1069,7 @@
           <a:p>
             <a:fld id="{3C2B07E4-CDF9-4C88-A2F3-04620E58224D}" type="datetimeFigureOut">
               <a:rPr lang="en-US" smtClean="0"/>
-              <a:t>9/28/2022</a:t>
+              <a:t>10/21/2022</a:t>
             </a:fld>
             <a:endParaRPr lang="en-US"/>
           </a:p>
@@ -1390,7 +1398,7 @@
           <a:p>
             <a:fld id="{3C2B07E4-CDF9-4C88-A2F3-04620E58224D}" type="datetimeFigureOut">
               <a:rPr lang="en-US" smtClean="0"/>
-              <a:t>9/28/2022</a:t>
+              <a:t>10/21/2022</a:t>
             </a:fld>
             <a:endParaRPr lang="en-US"/>
           </a:p>
@@ -1740,7 +1748,7 @@
           <a:p>
             <a:fld id="{3C2B07E4-CDF9-4C88-A2F3-04620E58224D}" type="datetimeFigureOut">
               <a:rPr lang="en-US" smtClean="0"/>
-              <a:t>9/28/2022</a:t>
+              <a:t>10/21/2022</a:t>
             </a:fld>
             <a:endParaRPr lang="en-US"/>
           </a:p>
@@ -2252,7 +2260,7 @@
           <a:p>
             <a:fld id="{3C2B07E4-CDF9-4C88-A2F3-04620E58224D}" type="datetimeFigureOut">
               <a:rPr lang="en-US" smtClean="0"/>
-              <a:t>9/28/2022</a:t>
+              <a:t>10/21/2022</a:t>
             </a:fld>
             <a:endParaRPr lang="en-US"/>
           </a:p>
@@ -2580,7 +2588,7 @@
           <a:p>
             <a:fld id="{3C2B07E4-CDF9-4C88-A2F3-04620E58224D}" type="datetimeFigureOut">
               <a:rPr lang="en-US" smtClean="0"/>
-              <a:t>9/28/2022</a:t>
+              <a:t>10/21/2022</a:t>
             </a:fld>
             <a:endParaRPr lang="en-US"/>
           </a:p>
@@ -2693,7 +2701,7 @@
           <a:p>
             <a:fld id="{3C2B07E4-CDF9-4C88-A2F3-04620E58224D}" type="datetimeFigureOut">
               <a:rPr lang="en-US" smtClean="0"/>
-              <a:t>9/28/2022</a:t>
+              <a:t>10/21/2022</a:t>
             </a:fld>
             <a:endParaRPr lang="en-US"/>
           </a:p>
@@ -3034,7 +3042,7 @@
           <a:p>
             <a:fld id="{3C2B07E4-CDF9-4C88-A2F3-04620E58224D}" type="datetimeFigureOut">
               <a:rPr lang="en-US" smtClean="0"/>
-              <a:t>9/28/2022</a:t>
+              <a:t>10/21/2022</a:t>
             </a:fld>
             <a:endParaRPr lang="en-US"/>
           </a:p>
@@ -3334,7 +3342,7 @@
           <a:p>
             <a:fld id="{3C2B07E4-CDF9-4C88-A2F3-04620E58224D}" type="datetimeFigureOut">
               <a:rPr lang="en-US" smtClean="0"/>
-              <a:t>9/28/2022</a:t>
+              <a:t>10/21/2022</a:t>
             </a:fld>
             <a:endParaRPr lang="en-US"/>
           </a:p>
@@ -3574,7 +3582,7 @@
             <a:fld id="{3C2B07E4-CDF9-4C88-A2F3-04620E58224D}" type="datetimeFigureOut">
               <a:rPr lang="en-US" smtClean="0"/>
               <a:pPr/>
-              <a:t>9/28/2022</a:t>
+              <a:t>10/21/2022</a:t>
             </a:fld>
             <a:endParaRPr lang="en-US" dirty="0"/>
           </a:p>
@@ -4317,6 +4325,795 @@
 </p:sld>
 </file>
 
+<file path=ppt/slides/slide10.xml><?xml version="1.0" encoding="utf-8"?>
+<p:sld xmlns:a="http://schemas.openxmlformats.org/drawingml/2006/main" xmlns:r="http://schemas.openxmlformats.org/officeDocument/2006/relationships" xmlns:p="http://schemas.openxmlformats.org/presentationml/2006/main">
+  <p:cSld>
+    <p:spTree>
+      <p:nvGrpSpPr>
+        <p:cNvPr id="1" name=""/>
+        <p:cNvGrpSpPr/>
+        <p:nvPr/>
+      </p:nvGrpSpPr>
+      <p:grpSpPr>
+        <a:xfrm>
+          <a:off x="0" y="0"/>
+          <a:ext cx="0" cy="0"/>
+          <a:chOff x="0" y="0"/>
+          <a:chExt cx="0" cy="0"/>
+        </a:xfrm>
+      </p:grpSpPr>
+      <p:sp>
+        <p:nvSpPr>
+          <p:cNvPr id="2" name="Title 1">
+            <a:extLst>
+              <a:ext uri="{FF2B5EF4-FFF2-40B4-BE49-F238E27FC236}">
+                <a16:creationId xmlns:a16="http://schemas.microsoft.com/office/drawing/2014/main" id="{281805BB-776B-F0CC-872F-0EB30897C46F}"/>
+              </a:ext>
+            </a:extLst>
+          </p:cNvPr>
+          <p:cNvSpPr>
+            <a:spLocks noGrp="1"/>
+          </p:cNvSpPr>
+          <p:nvPr>
+            <p:ph type="title"/>
+          </p:nvPr>
+        </p:nvSpPr>
+        <p:spPr/>
+        <p:txBody>
+          <a:bodyPr/>
+          <a:lstStyle/>
+          <a:p>
+            <a:r>
+              <a:rPr lang="en-IN" dirty="0"/>
+              <a:t>USE CASE DIAGRAM</a:t>
+            </a:r>
+          </a:p>
+        </p:txBody>
+      </p:sp>
+      <p:pic>
+        <p:nvPicPr>
+          <p:cNvPr id="5" name="Content Placeholder 4">
+            <a:extLst>
+              <a:ext uri="{FF2B5EF4-FFF2-40B4-BE49-F238E27FC236}">
+                <a16:creationId xmlns:a16="http://schemas.microsoft.com/office/drawing/2014/main" id="{9F4BCF07-5FB6-FD04-9D53-46D9A50AE255}"/>
+              </a:ext>
+            </a:extLst>
+          </p:cNvPr>
+          <p:cNvPicPr>
+            <a:picLocks noGrp="1" noChangeAspect="1"/>
+          </p:cNvPicPr>
+          <p:nvPr>
+            <p:ph idx="1"/>
+          </p:nvPr>
+        </p:nvPicPr>
+        <p:blipFill>
+          <a:blip r:embed="rId2"/>
+          <a:stretch>
+            <a:fillRect/>
+          </a:stretch>
+        </p:blipFill>
+        <p:spPr>
+          <a:xfrm>
+            <a:off x="3321652" y="2286000"/>
+            <a:ext cx="5455033" cy="3810000"/>
+          </a:xfrm>
+          <a:prstGeom prst="rect">
+            <a:avLst/>
+          </a:prstGeom>
+        </p:spPr>
+      </p:pic>
+    </p:spTree>
+    <p:extLst>
+      <p:ext uri="{BB962C8B-B14F-4D97-AF65-F5344CB8AC3E}">
+        <p14:creationId xmlns:p14="http://schemas.microsoft.com/office/powerpoint/2010/main" val="2844877368"/>
+      </p:ext>
+    </p:extLst>
+  </p:cSld>
+  <p:clrMapOvr>
+    <a:masterClrMapping/>
+  </p:clrMapOvr>
+</p:sld>
+</file>
+
+<file path=ppt/slides/slide11.xml><?xml version="1.0" encoding="utf-8"?>
+<p:sld xmlns:a="http://schemas.openxmlformats.org/drawingml/2006/main" xmlns:r="http://schemas.openxmlformats.org/officeDocument/2006/relationships" xmlns:p="http://schemas.openxmlformats.org/presentationml/2006/main">
+  <p:cSld>
+    <p:spTree>
+      <p:nvGrpSpPr>
+        <p:cNvPr id="1" name=""/>
+        <p:cNvGrpSpPr/>
+        <p:nvPr/>
+      </p:nvGrpSpPr>
+      <p:grpSpPr>
+        <a:xfrm>
+          <a:off x="0" y="0"/>
+          <a:ext cx="0" cy="0"/>
+          <a:chOff x="0" y="0"/>
+          <a:chExt cx="0" cy="0"/>
+        </a:xfrm>
+      </p:grpSpPr>
+      <p:sp>
+        <p:nvSpPr>
+          <p:cNvPr id="2" name="Title 1">
+            <a:extLst>
+              <a:ext uri="{FF2B5EF4-FFF2-40B4-BE49-F238E27FC236}">
+                <a16:creationId xmlns:a16="http://schemas.microsoft.com/office/drawing/2014/main" id="{FD4519D2-FA7E-FB4B-EF56-F5097A8A88CC}"/>
+              </a:ext>
+            </a:extLst>
+          </p:cNvPr>
+          <p:cNvSpPr>
+            <a:spLocks noGrp="1"/>
+          </p:cNvSpPr>
+          <p:nvPr>
+            <p:ph type="title"/>
+          </p:nvPr>
+        </p:nvSpPr>
+        <p:spPr/>
+        <p:txBody>
+          <a:bodyPr/>
+          <a:lstStyle/>
+          <a:p>
+            <a:r>
+              <a:rPr lang="en-IN" dirty="0"/>
+              <a:t>FLOW CHART</a:t>
+            </a:r>
+          </a:p>
+        </p:txBody>
+      </p:sp>
+      <p:pic>
+        <p:nvPicPr>
+          <p:cNvPr id="7" name="Content Placeholder 6" descr="Diagram&#10;&#10;Description automatically generated">
+            <a:extLst>
+              <a:ext uri="{FF2B5EF4-FFF2-40B4-BE49-F238E27FC236}">
+                <a16:creationId xmlns:a16="http://schemas.microsoft.com/office/drawing/2014/main" id="{62B1D2AD-0572-2A59-B3AA-66494CC2CBE6}"/>
+              </a:ext>
+            </a:extLst>
+          </p:cNvPr>
+          <p:cNvPicPr>
+            <a:picLocks noGrp="1" noChangeAspect="1"/>
+          </p:cNvPicPr>
+          <p:nvPr>
+            <p:ph idx="1"/>
+          </p:nvPr>
+        </p:nvPicPr>
+        <p:blipFill>
+          <a:blip r:embed="rId2"/>
+          <a:stretch>
+            <a:fillRect/>
+          </a:stretch>
+        </p:blipFill>
+        <p:spPr>
+          <a:xfrm>
+            <a:off x="4683875" y="2286000"/>
+            <a:ext cx="2730588" cy="3810000"/>
+          </a:xfrm>
+          <a:prstGeom prst="rect">
+            <a:avLst/>
+          </a:prstGeom>
+        </p:spPr>
+      </p:pic>
+    </p:spTree>
+    <p:extLst>
+      <p:ext uri="{BB962C8B-B14F-4D97-AF65-F5344CB8AC3E}">
+        <p14:creationId xmlns:p14="http://schemas.microsoft.com/office/powerpoint/2010/main" val="3553194743"/>
+      </p:ext>
+    </p:extLst>
+  </p:cSld>
+  <p:clrMapOvr>
+    <a:masterClrMapping/>
+  </p:clrMapOvr>
+</p:sld>
+</file>
+
+<file path=ppt/slides/slide12.xml><?xml version="1.0" encoding="utf-8"?>
+<p:sld xmlns:a="http://schemas.openxmlformats.org/drawingml/2006/main" xmlns:r="http://schemas.openxmlformats.org/officeDocument/2006/relationships" xmlns:p="http://schemas.openxmlformats.org/presentationml/2006/main">
+  <p:cSld>
+    <p:spTree>
+      <p:nvGrpSpPr>
+        <p:cNvPr id="1" name=""/>
+        <p:cNvGrpSpPr/>
+        <p:nvPr/>
+      </p:nvGrpSpPr>
+      <p:grpSpPr>
+        <a:xfrm>
+          <a:off x="0" y="0"/>
+          <a:ext cx="0" cy="0"/>
+          <a:chOff x="0" y="0"/>
+          <a:chExt cx="0" cy="0"/>
+        </a:xfrm>
+      </p:grpSpPr>
+      <p:sp>
+        <p:nvSpPr>
+          <p:cNvPr id="2" name="Title 1">
+            <a:extLst>
+              <a:ext uri="{FF2B5EF4-FFF2-40B4-BE49-F238E27FC236}">
+                <a16:creationId xmlns:a16="http://schemas.microsoft.com/office/drawing/2014/main" id="{FFAE4937-5EAF-E74C-3672-03024BFD6046}"/>
+              </a:ext>
+            </a:extLst>
+          </p:cNvPr>
+          <p:cNvSpPr>
+            <a:spLocks noGrp="1"/>
+          </p:cNvSpPr>
+          <p:nvPr>
+            <p:ph type="title"/>
+          </p:nvPr>
+        </p:nvSpPr>
+        <p:spPr/>
+        <p:txBody>
+          <a:bodyPr/>
+          <a:lstStyle/>
+          <a:p>
+            <a:r>
+              <a:rPr lang="en-IN" dirty="0"/>
+              <a:t>LIMITATIONS</a:t>
+            </a:r>
+          </a:p>
+        </p:txBody>
+      </p:sp>
+      <p:sp>
+        <p:nvSpPr>
+          <p:cNvPr id="3" name="Content Placeholder 2">
+            <a:extLst>
+              <a:ext uri="{FF2B5EF4-FFF2-40B4-BE49-F238E27FC236}">
+                <a16:creationId xmlns:a16="http://schemas.microsoft.com/office/drawing/2014/main" id="{11CCA63A-D5D9-C270-41B9-FC15AD0FE69E}"/>
+              </a:ext>
+            </a:extLst>
+          </p:cNvPr>
+          <p:cNvSpPr>
+            <a:spLocks noGrp="1"/>
+          </p:cNvSpPr>
+          <p:nvPr>
+            <p:ph idx="1"/>
+          </p:nvPr>
+        </p:nvSpPr>
+        <p:spPr/>
+        <p:txBody>
+          <a:bodyPr/>
+          <a:lstStyle/>
+          <a:p>
+            <a:r>
+              <a:rPr lang="en-US" sz="1800" dirty="0">
+                <a:effectLst/>
+                <a:latin typeface="Arial MT"/>
+                <a:ea typeface="Arial MT"/>
+                <a:cs typeface="Arial MT"/>
+              </a:rPr>
+              <a:t>At this stage we worked on this project where we need to run the code to open the GUI window or the application in the future days wee need to take it to the we application by using Django or PHP etc.…</a:t>
+            </a:r>
+            <a:endParaRPr lang="en-IN" sz="1800" dirty="0">
+              <a:effectLst/>
+              <a:latin typeface="Arial MT"/>
+              <a:ea typeface="Arial MT"/>
+              <a:cs typeface="Arial MT"/>
+            </a:endParaRPr>
+          </a:p>
+          <a:p>
+            <a:endParaRPr lang="en-IN" dirty="0"/>
+          </a:p>
+        </p:txBody>
+      </p:sp>
+    </p:spTree>
+    <p:extLst>
+      <p:ext uri="{BB962C8B-B14F-4D97-AF65-F5344CB8AC3E}">
+        <p14:creationId xmlns:p14="http://schemas.microsoft.com/office/powerpoint/2010/main" val="1024683187"/>
+      </p:ext>
+    </p:extLst>
+  </p:cSld>
+  <p:clrMapOvr>
+    <a:masterClrMapping/>
+  </p:clrMapOvr>
+</p:sld>
+</file>
+
+<file path=ppt/slides/slide13.xml><?xml version="1.0" encoding="utf-8"?>
+<p:sld xmlns:a="http://schemas.openxmlformats.org/drawingml/2006/main" xmlns:r="http://schemas.openxmlformats.org/officeDocument/2006/relationships" xmlns:p="http://schemas.openxmlformats.org/presentationml/2006/main">
+  <p:cSld>
+    <p:spTree>
+      <p:nvGrpSpPr>
+        <p:cNvPr id="1" name=""/>
+        <p:cNvGrpSpPr/>
+        <p:nvPr/>
+      </p:nvGrpSpPr>
+      <p:grpSpPr>
+        <a:xfrm>
+          <a:off x="0" y="0"/>
+          <a:ext cx="0" cy="0"/>
+          <a:chOff x="0" y="0"/>
+          <a:chExt cx="0" cy="0"/>
+        </a:xfrm>
+      </p:grpSpPr>
+      <p:sp>
+        <p:nvSpPr>
+          <p:cNvPr id="2" name="Title 1">
+            <a:extLst>
+              <a:ext uri="{FF2B5EF4-FFF2-40B4-BE49-F238E27FC236}">
+                <a16:creationId xmlns:a16="http://schemas.microsoft.com/office/drawing/2014/main" id="{1B107150-22D6-4A25-CEEA-B3E8130A89DD}"/>
+              </a:ext>
+            </a:extLst>
+          </p:cNvPr>
+          <p:cNvSpPr>
+            <a:spLocks noGrp="1"/>
+          </p:cNvSpPr>
+          <p:nvPr>
+            <p:ph type="title"/>
+          </p:nvPr>
+        </p:nvSpPr>
+        <p:spPr/>
+        <p:txBody>
+          <a:bodyPr/>
+          <a:lstStyle/>
+          <a:p>
+            <a:r>
+              <a:rPr lang="en-US" sz="1800" dirty="0">
+                <a:effectLst/>
+                <a:latin typeface="Arial MT"/>
+                <a:ea typeface="Arial MT"/>
+                <a:cs typeface="Arial MT"/>
+              </a:rPr>
+              <a:t>References</a:t>
+            </a:r>
+            <a:endParaRPr lang="en-IN" dirty="0"/>
+          </a:p>
+        </p:txBody>
+      </p:sp>
+      <p:sp>
+        <p:nvSpPr>
+          <p:cNvPr id="3" name="Content Placeholder 2">
+            <a:extLst>
+              <a:ext uri="{FF2B5EF4-FFF2-40B4-BE49-F238E27FC236}">
+                <a16:creationId xmlns:a16="http://schemas.microsoft.com/office/drawing/2014/main" id="{593BADB7-470C-64F2-2815-4BCECE7794E1}"/>
+              </a:ext>
+            </a:extLst>
+          </p:cNvPr>
+          <p:cNvSpPr>
+            <a:spLocks noGrp="1"/>
+          </p:cNvSpPr>
+          <p:nvPr>
+            <p:ph idx="1"/>
+          </p:nvPr>
+        </p:nvSpPr>
+        <p:spPr/>
+        <p:txBody>
+          <a:bodyPr/>
+          <a:lstStyle/>
+          <a:p>
+            <a:pPr marL="368935" marR="596265">
+              <a:lnSpc>
+                <a:spcPct val="108000"/>
+              </a:lnSpc>
+              <a:spcBef>
+                <a:spcPts val="420"/>
+              </a:spcBef>
+              <a:spcAft>
+                <a:spcPts val="0"/>
+              </a:spcAft>
+            </a:pPr>
+            <a:r>
+              <a:rPr lang="en-US" sz="1800" spc="-10" dirty="0">
+                <a:effectLst/>
+                <a:latin typeface="Arial MT"/>
+                <a:ea typeface="Arial MT"/>
+                <a:cs typeface="Arial MT"/>
+              </a:rPr>
+              <a:t>We surfed the internet for the understanding of the project and we took the faculty help to complete this project </a:t>
+            </a:r>
+            <a:endParaRPr lang="en-IN" sz="1800" dirty="0">
+              <a:effectLst/>
+              <a:latin typeface="Arial MT"/>
+              <a:ea typeface="Arial MT"/>
+              <a:cs typeface="Arial MT"/>
+            </a:endParaRPr>
+          </a:p>
+          <a:p>
+            <a:pPr marL="368935" marR="596265">
+              <a:lnSpc>
+                <a:spcPct val="108000"/>
+              </a:lnSpc>
+              <a:spcBef>
+                <a:spcPts val="420"/>
+              </a:spcBef>
+              <a:spcAft>
+                <a:spcPts val="0"/>
+              </a:spcAft>
+            </a:pPr>
+            <a:r>
+              <a:rPr lang="en-US" sz="1800" spc="-10" dirty="0">
+                <a:effectLst/>
+                <a:latin typeface="Arial MT"/>
+                <a:ea typeface="Arial MT"/>
+                <a:cs typeface="Arial MT"/>
+              </a:rPr>
+              <a:t>We use GitHub for the help and some websites for the documentation purpose</a:t>
+            </a:r>
+            <a:endParaRPr lang="en-IN" sz="1800" dirty="0">
+              <a:effectLst/>
+              <a:latin typeface="Arial MT"/>
+              <a:ea typeface="Arial MT"/>
+              <a:cs typeface="Arial MT"/>
+            </a:endParaRPr>
+          </a:p>
+          <a:p>
+            <a:endParaRPr lang="en-IN" dirty="0"/>
+          </a:p>
+        </p:txBody>
+      </p:sp>
+    </p:spTree>
+    <p:extLst>
+      <p:ext uri="{BB962C8B-B14F-4D97-AF65-F5344CB8AC3E}">
+        <p14:creationId xmlns:p14="http://schemas.microsoft.com/office/powerpoint/2010/main" val="3626299637"/>
+      </p:ext>
+    </p:extLst>
+  </p:cSld>
+  <p:clrMapOvr>
+    <a:masterClrMapping/>
+  </p:clrMapOvr>
+</p:sld>
+</file>
+
+<file path=ppt/slides/slide14.xml><?xml version="1.0" encoding="utf-8"?>
+<p:sld xmlns:a="http://schemas.openxmlformats.org/drawingml/2006/main" xmlns:r="http://schemas.openxmlformats.org/officeDocument/2006/relationships" xmlns:p="http://schemas.openxmlformats.org/presentationml/2006/main">
+  <p:cSld>
+    <p:spTree>
+      <p:nvGrpSpPr>
+        <p:cNvPr id="1" name=""/>
+        <p:cNvGrpSpPr/>
+        <p:nvPr/>
+      </p:nvGrpSpPr>
+      <p:grpSpPr>
+        <a:xfrm>
+          <a:off x="0" y="0"/>
+          <a:ext cx="0" cy="0"/>
+          <a:chOff x="0" y="0"/>
+          <a:chExt cx="0" cy="0"/>
+        </a:xfrm>
+      </p:grpSpPr>
+      <p:sp>
+        <p:nvSpPr>
+          <p:cNvPr id="2" name="Title 1">
+            <a:extLst>
+              <a:ext uri="{FF2B5EF4-FFF2-40B4-BE49-F238E27FC236}">
+                <a16:creationId xmlns:a16="http://schemas.microsoft.com/office/drawing/2014/main" id="{A14498E7-1D8E-D0ED-9DF4-B9E2267DB4AF}"/>
+              </a:ext>
+            </a:extLst>
+          </p:cNvPr>
+          <p:cNvSpPr>
+            <a:spLocks noGrp="1"/>
+          </p:cNvSpPr>
+          <p:nvPr>
+            <p:ph type="title"/>
+          </p:nvPr>
+        </p:nvSpPr>
+        <p:spPr/>
+        <p:txBody>
+          <a:bodyPr/>
+          <a:lstStyle/>
+          <a:p>
+            <a:r>
+              <a:rPr lang="en-IN" dirty="0"/>
+              <a:t>CODE</a:t>
+            </a:r>
+          </a:p>
+        </p:txBody>
+      </p:sp>
+      <p:sp>
+        <p:nvSpPr>
+          <p:cNvPr id="3" name="Content Placeholder 2">
+            <a:extLst>
+              <a:ext uri="{FF2B5EF4-FFF2-40B4-BE49-F238E27FC236}">
+                <a16:creationId xmlns:a16="http://schemas.microsoft.com/office/drawing/2014/main" id="{645B8BA5-59B5-B6C0-E994-8FABB502701C}"/>
+              </a:ext>
+            </a:extLst>
+          </p:cNvPr>
+          <p:cNvSpPr>
+            <a:spLocks noGrp="1"/>
+          </p:cNvSpPr>
+          <p:nvPr>
+            <p:ph idx="1"/>
+          </p:nvPr>
+        </p:nvSpPr>
+        <p:spPr/>
+        <p:txBody>
+          <a:bodyPr/>
+          <a:lstStyle/>
+          <a:p>
+            <a:r>
+              <a:rPr lang="en-IN" dirty="0">
+                <a:hlinkClick r:id="rId2"/>
+              </a:rPr>
+              <a:t>https://github.com/jennymeshaiah09/Projects/blob/main/Student%20registration%20system/Code</a:t>
+            </a:r>
+            <a:endParaRPr lang="en-IN" dirty="0"/>
+          </a:p>
+        </p:txBody>
+      </p:sp>
+    </p:spTree>
+    <p:extLst>
+      <p:ext uri="{BB962C8B-B14F-4D97-AF65-F5344CB8AC3E}">
+        <p14:creationId xmlns:p14="http://schemas.microsoft.com/office/powerpoint/2010/main" val="1653843195"/>
+      </p:ext>
+    </p:extLst>
+  </p:cSld>
+  <p:clrMapOvr>
+    <a:masterClrMapping/>
+  </p:clrMapOvr>
+</p:sld>
+</file>
+
+<file path=ppt/slides/slide15.xml><?xml version="1.0" encoding="utf-8"?>
+<p:sld xmlns:a="http://schemas.openxmlformats.org/drawingml/2006/main" xmlns:r="http://schemas.openxmlformats.org/officeDocument/2006/relationships" xmlns:p="http://schemas.openxmlformats.org/presentationml/2006/main">
+  <p:cSld>
+    <p:bg>
+      <p:bgPr>
+        <a:solidFill>
+          <a:schemeClr val="bg1"/>
+        </a:solidFill>
+        <a:effectLst/>
+      </p:bgPr>
+    </p:bg>
+    <p:spTree>
+      <p:nvGrpSpPr>
+        <p:cNvPr id="1" name=""/>
+        <p:cNvGrpSpPr/>
+        <p:nvPr/>
+      </p:nvGrpSpPr>
+      <p:grpSpPr>
+        <a:xfrm>
+          <a:off x="0" y="0"/>
+          <a:ext cx="0" cy="0"/>
+          <a:chOff x="0" y="0"/>
+          <a:chExt cx="0" cy="0"/>
+        </a:xfrm>
+      </p:grpSpPr>
+      <p:cxnSp>
+        <p:nvCxnSpPr>
+          <p:cNvPr id="16" name="Straight Connector 15">
+            <a:extLst>
+              <a:ext uri="{FF2B5EF4-FFF2-40B4-BE49-F238E27FC236}">
+                <a16:creationId xmlns:a16="http://schemas.microsoft.com/office/drawing/2014/main" id="{AEED5540-64E5-4258-ABA4-753F07B71B38}"/>
+              </a:ext>
+              <a:ext uri="{C183D7F6-B498-43B3-948B-1728B52AA6E4}">
+                <adec:decorative xmlns:adec="http://schemas.microsoft.com/office/drawing/2017/decorative" val="1"/>
+              </a:ext>
+            </a:extLst>
+          </p:cNvPr>
+          <p:cNvCxnSpPr>
+            <a:cxnSpLocks noGrp="1" noRot="1" noChangeAspect="1" noMove="1" noResize="1" noEditPoints="1" noAdjustHandles="1" noChangeArrowheads="1" noChangeShapeType="1"/>
+          </p:cNvCxnSpPr>
+          <p:nvPr>
+            <p:extLst>
+              <p:ext uri="{386F3935-93C4-4BCD-93E2-E3B085C9AB24}">
+                <p16:designElem xmlns:p16="http://schemas.microsoft.com/office/powerpoint/2015/main" val="1"/>
+              </p:ext>
+            </p:extLst>
+          </p:nvPr>
+        </p:nvCxnSpPr>
+        <p:spPr>
+          <a:xfrm>
+            <a:off x="1524000" y="4571506"/>
+            <a:ext cx="971155" cy="0"/>
+          </a:xfrm>
+          <a:prstGeom prst="line">
+            <a:avLst/>
+          </a:prstGeom>
+          <a:ln w="31750">
+            <a:solidFill>
+              <a:schemeClr val="tx1"/>
+            </a:solidFill>
+          </a:ln>
+        </p:spPr>
+        <p:style>
+          <a:lnRef idx="1">
+            <a:schemeClr val="accent1"/>
+          </a:lnRef>
+          <a:fillRef idx="0">
+            <a:schemeClr val="accent1"/>
+          </a:fillRef>
+          <a:effectRef idx="0">
+            <a:schemeClr val="accent1"/>
+          </a:effectRef>
+          <a:fontRef idx="minor">
+            <a:schemeClr val="tx1"/>
+          </a:fontRef>
+        </p:style>
+      </p:cxnSp>
+      <p:sp>
+        <p:nvSpPr>
+          <p:cNvPr id="18" name="Rectangle 17">
+            <a:extLst>
+              <a:ext uri="{FF2B5EF4-FFF2-40B4-BE49-F238E27FC236}">
+                <a16:creationId xmlns:a16="http://schemas.microsoft.com/office/drawing/2014/main" id="{B1C3281D-A46F-4842-9340-4CBC29E1B260}"/>
+              </a:ext>
+              <a:ext uri="{C183D7F6-B498-43B3-948B-1728B52AA6E4}">
+                <adec:decorative xmlns:adec="http://schemas.microsoft.com/office/drawing/2017/decorative" val="1"/>
+              </a:ext>
+            </a:extLst>
+          </p:cNvPr>
+          <p:cNvSpPr>
+            <a:spLocks noGrp="1" noRot="1" noChangeAspect="1" noMove="1" noResize="1" noEditPoints="1" noAdjustHandles="1" noChangeArrowheads="1" noChangeShapeType="1" noTextEdit="1"/>
+          </p:cNvSpPr>
+          <p:nvPr>
+            <p:extLst>
+              <p:ext uri="{386F3935-93C4-4BCD-93E2-E3B085C9AB24}">
+                <p16:designElem xmlns:p16="http://schemas.microsoft.com/office/powerpoint/2015/main" val="1"/>
+              </p:ext>
+            </p:extLst>
+          </p:nvPr>
+        </p:nvSpPr>
+        <p:spPr>
+          <a:xfrm>
+            <a:off x="0" y="0"/>
+            <a:ext cx="12192000" cy="6858000"/>
+          </a:xfrm>
+          <a:prstGeom prst="rect">
+            <a:avLst/>
+          </a:prstGeom>
+          <a:solidFill>
+            <a:srgbClr val="000000"/>
+          </a:solidFill>
+          <a:ln w="12700" cap="flat" cmpd="sng" algn="ctr">
+            <a:noFill/>
+            <a:prstDash val="solid"/>
+            <a:miter lim="800000"/>
+          </a:ln>
+          <a:effectLst/>
+        </p:spPr>
+        <p:style>
+          <a:lnRef idx="2">
+            <a:schemeClr val="accent1">
+              <a:shade val="50000"/>
+            </a:schemeClr>
+          </a:lnRef>
+          <a:fillRef idx="1">
+            <a:schemeClr val="accent1"/>
+          </a:fillRef>
+          <a:effectRef idx="0">
+            <a:schemeClr val="accent1"/>
+          </a:effectRef>
+          <a:fontRef idx="minor">
+            <a:schemeClr val="lt1"/>
+          </a:fontRef>
+        </p:style>
+        <p:txBody>
+          <a:bodyPr rtlCol="0" anchor="ctr"/>
+          <a:lstStyle/>
+          <a:p>
+            <a:pPr algn="ctr"/>
+            <a:endParaRPr lang="en-US"/>
+          </a:p>
+        </p:txBody>
+      </p:sp>
+      <p:pic>
+        <p:nvPicPr>
+          <p:cNvPr id="5" name="Picture 4" descr="Basketball going into hoop against sky">
+            <a:extLst>
+              <a:ext uri="{FF2B5EF4-FFF2-40B4-BE49-F238E27FC236}">
+                <a16:creationId xmlns:a16="http://schemas.microsoft.com/office/drawing/2014/main" id="{942768E6-170E-5C03-5036-54DFE1168251}"/>
+              </a:ext>
+            </a:extLst>
+          </p:cNvPr>
+          <p:cNvPicPr>
+            <a:picLocks noChangeAspect="1"/>
+          </p:cNvPicPr>
+          <p:nvPr/>
+        </p:nvPicPr>
+        <p:blipFill rotWithShape="1">
+          <a:blip r:embed="rId2">
+            <a:alphaModFix amt="50000"/>
+          </a:blip>
+          <a:srcRect t="24954" b="46"/>
+          <a:stretch/>
+        </p:blipFill>
+        <p:spPr>
+          <a:xfrm>
+            <a:off x="0" y="10"/>
+            <a:ext cx="12191980" cy="6857990"/>
+          </a:xfrm>
+          <a:prstGeom prst="rect">
+            <a:avLst/>
+          </a:prstGeom>
+        </p:spPr>
+      </p:pic>
+      <p:sp>
+        <p:nvSpPr>
+          <p:cNvPr id="2" name="Title 1">
+            <a:extLst>
+              <a:ext uri="{FF2B5EF4-FFF2-40B4-BE49-F238E27FC236}">
+                <a16:creationId xmlns:a16="http://schemas.microsoft.com/office/drawing/2014/main" id="{CB547D6B-E229-85B5-6B2F-C7577CC386D5}"/>
+              </a:ext>
+            </a:extLst>
+          </p:cNvPr>
+          <p:cNvSpPr>
+            <a:spLocks noGrp="1"/>
+          </p:cNvSpPr>
+          <p:nvPr>
+            <p:ph type="title"/>
+          </p:nvPr>
+        </p:nvSpPr>
+        <p:spPr>
+          <a:xfrm>
+            <a:off x="2238258" y="1424473"/>
+            <a:ext cx="7714388" cy="2850146"/>
+          </a:xfrm>
+        </p:spPr>
+        <p:txBody>
+          <a:bodyPr vert="horz" lIns="91440" tIns="45720" rIns="91440" bIns="45720" rtlCol="0" anchor="b">
+            <a:normAutofit/>
+          </a:bodyPr>
+          <a:lstStyle/>
+          <a:p>
+            <a:pPr algn="ctr"/>
+            <a:r>
+              <a:rPr lang="en-US" sz="6600" dirty="0"/>
+              <a:t>THANK YOU</a:t>
+            </a:r>
+          </a:p>
+        </p:txBody>
+      </p:sp>
+      <p:cxnSp>
+        <p:nvCxnSpPr>
+          <p:cNvPr id="20" name="Straight Connector 19">
+            <a:extLst>
+              <a:ext uri="{FF2B5EF4-FFF2-40B4-BE49-F238E27FC236}">
+                <a16:creationId xmlns:a16="http://schemas.microsoft.com/office/drawing/2014/main" id="{D4EDB048-C82F-4E9B-BCE9-3D1DBE5D59CE}"/>
+              </a:ext>
+              <a:ext uri="{C183D7F6-B498-43B3-948B-1728B52AA6E4}">
+                <adec:decorative xmlns:adec="http://schemas.microsoft.com/office/drawing/2017/decorative" val="1"/>
+              </a:ext>
+            </a:extLst>
+          </p:cNvPr>
+          <p:cNvCxnSpPr>
+            <a:cxnSpLocks noGrp="1" noRot="1" noChangeAspect="1" noMove="1" noResize="1" noEditPoints="1" noAdjustHandles="1" noChangeArrowheads="1" noChangeShapeType="1"/>
+          </p:cNvCxnSpPr>
+          <p:nvPr>
+            <p:extLst>
+              <p:ext uri="{386F3935-93C4-4BCD-93E2-E3B085C9AB24}">
+                <p16:designElem xmlns:p16="http://schemas.microsoft.com/office/powerpoint/2015/main" val="1"/>
+              </p:ext>
+            </p:extLst>
+          </p:nvPr>
+        </p:nvCxnSpPr>
+        <p:spPr>
+          <a:xfrm>
+            <a:off x="5609875" y="4578595"/>
+            <a:ext cx="971155" cy="0"/>
+          </a:xfrm>
+          <a:prstGeom prst="line">
+            <a:avLst/>
+          </a:prstGeom>
+          <a:ln w="31750">
+            <a:solidFill>
+              <a:srgbClr val="FFFFFF"/>
+            </a:solidFill>
+          </a:ln>
+        </p:spPr>
+        <p:style>
+          <a:lnRef idx="1">
+            <a:schemeClr val="accent1"/>
+          </a:lnRef>
+          <a:fillRef idx="0">
+            <a:schemeClr val="accent1"/>
+          </a:fillRef>
+          <a:effectRef idx="0">
+            <a:schemeClr val="accent1"/>
+          </a:effectRef>
+          <a:fontRef idx="minor">
+            <a:schemeClr val="tx1"/>
+          </a:fontRef>
+        </p:style>
+      </p:cxnSp>
+    </p:spTree>
+    <p:extLst>
+      <p:ext uri="{BB962C8B-B14F-4D97-AF65-F5344CB8AC3E}">
+        <p14:creationId xmlns:p14="http://schemas.microsoft.com/office/powerpoint/2010/main" val="3977889663"/>
+      </p:ext>
+    </p:extLst>
+  </p:cSld>
+  <p:clrMapOvr>
+    <a:masterClrMapping/>
+  </p:clrMapOvr>
+</p:sld>
+</file>
+
 <file path=ppt/slides/slide2.xml><?xml version="1.0" encoding="utf-8"?>
 <p:sld xmlns:a="http://schemas.openxmlformats.org/drawingml/2006/main" xmlns:r="http://schemas.openxmlformats.org/officeDocument/2006/relationships" xmlns:p="http://schemas.openxmlformats.org/presentationml/2006/main">
   <p:cSld>
@@ -5034,6 +5831,319 @@
       </p:grpSpPr>
       <p:sp useBgFill="1">
         <p:nvSpPr>
+          <p:cNvPr id="13" name="Rectangle 8">
+            <a:extLst>
+              <a:ext uri="{FF2B5EF4-FFF2-40B4-BE49-F238E27FC236}">
+                <a16:creationId xmlns:a16="http://schemas.microsoft.com/office/drawing/2014/main" id="{1265911B-1E2F-489E-97EF-A15A9299E703}"/>
+              </a:ext>
+              <a:ext uri="{C183D7F6-B498-43B3-948B-1728B52AA6E4}">
+                <adec:decorative xmlns:adec="http://schemas.microsoft.com/office/drawing/2017/decorative" val="1"/>
+              </a:ext>
+            </a:extLst>
+          </p:cNvPr>
+          <p:cNvSpPr>
+            <a:spLocks noGrp="1" noRot="1" noChangeAspect="1" noMove="1" noResize="1" noEditPoints="1" noAdjustHandles="1" noChangeArrowheads="1" noChangeShapeType="1" noTextEdit="1"/>
+          </p:cNvSpPr>
+          <p:nvPr>
+            <p:extLst>
+              <p:ext uri="{386F3935-93C4-4BCD-93E2-E3B085C9AB24}">
+                <p16:designElem xmlns:p16="http://schemas.microsoft.com/office/powerpoint/2015/main" val="1"/>
+              </p:ext>
+            </p:extLst>
+          </p:nvPr>
+        </p:nvSpPr>
+        <p:spPr>
+          <a:xfrm>
+            <a:off x="0" y="0"/>
+            <a:ext cx="12192000" cy="6858000"/>
+          </a:xfrm>
+          <a:prstGeom prst="rect">
+            <a:avLst/>
+          </a:prstGeom>
+          <a:ln w="12700" cap="flat" cmpd="sng" algn="ctr">
+            <a:noFill/>
+            <a:prstDash val="solid"/>
+            <a:miter lim="800000"/>
+          </a:ln>
+          <a:effectLst/>
+          <a:extLst>
+            <a:ext uri="{91240B29-F687-4F45-9708-019B960494DF}">
+              <a14:hiddenLine xmlns:a14="http://schemas.microsoft.com/office/drawing/2010/main" w="12700" cap="flat" cmpd="sng" algn="ctr">
+                <a:solidFill>
+                  <a:schemeClr val="accent1">
+                    <a:shade val="50000"/>
+                  </a:schemeClr>
+                </a:solidFill>
+                <a:prstDash val="solid"/>
+                <a:miter lim="800000"/>
+              </a14:hiddenLine>
+            </a:ext>
+          </a:extLst>
+        </p:spPr>
+        <p:style>
+          <a:lnRef idx="2">
+            <a:schemeClr val="accent1">
+              <a:shade val="50000"/>
+            </a:schemeClr>
+          </a:lnRef>
+          <a:fillRef idx="1">
+            <a:schemeClr val="accent1"/>
+          </a:fillRef>
+          <a:effectRef idx="0">
+            <a:schemeClr val="accent1"/>
+          </a:effectRef>
+          <a:fontRef idx="minor">
+            <a:schemeClr val="lt1"/>
+          </a:fontRef>
+        </p:style>
+        <p:txBody>
+          <a:bodyPr rtlCol="0" anchor="ctr"/>
+          <a:lstStyle/>
+          <a:p>
+            <a:pPr algn="ctr"/>
+            <a:endParaRPr lang="en-US"/>
+          </a:p>
+        </p:txBody>
+      </p:sp>
+      <p:sp>
+        <p:nvSpPr>
+          <p:cNvPr id="14" name="Rectangle 10">
+            <a:extLst>
+              <a:ext uri="{FF2B5EF4-FFF2-40B4-BE49-F238E27FC236}">
+                <a16:creationId xmlns:a16="http://schemas.microsoft.com/office/drawing/2014/main" id="{2119D4F1-CE65-4D74-A168-F27C15F1B00C}"/>
+              </a:ext>
+              <a:ext uri="{C183D7F6-B498-43B3-948B-1728B52AA6E4}">
+                <adec:decorative xmlns:adec="http://schemas.microsoft.com/office/drawing/2017/decorative" val="1"/>
+              </a:ext>
+            </a:extLst>
+          </p:cNvPr>
+          <p:cNvSpPr>
+            <a:spLocks noGrp="1" noRot="1" noChangeAspect="1" noMove="1" noResize="1" noEditPoints="1" noAdjustHandles="1" noChangeArrowheads="1" noChangeShapeType="1" noTextEdit="1"/>
+          </p:cNvSpPr>
+          <p:nvPr>
+            <p:extLst>
+              <p:ext uri="{386F3935-93C4-4BCD-93E2-E3B085C9AB24}">
+                <p16:designElem xmlns:p16="http://schemas.microsoft.com/office/powerpoint/2015/main" val="1"/>
+              </p:ext>
+            </p:extLst>
+          </p:nvPr>
+        </p:nvSpPr>
+        <p:spPr>
+          <a:xfrm>
+            <a:off x="0" y="0"/>
+            <a:ext cx="6096000" cy="6858000"/>
+          </a:xfrm>
+          <a:prstGeom prst="rect">
+            <a:avLst/>
+          </a:prstGeom>
+          <a:solidFill>
+            <a:srgbClr val="000000"/>
+          </a:solidFill>
+          <a:ln w="12700" cap="flat" cmpd="sng" algn="ctr">
+            <a:noFill/>
+            <a:prstDash val="solid"/>
+            <a:miter lim="800000"/>
+          </a:ln>
+          <a:effectLst/>
+        </p:spPr>
+        <p:style>
+          <a:lnRef idx="2">
+            <a:schemeClr val="accent1">
+              <a:shade val="50000"/>
+            </a:schemeClr>
+          </a:lnRef>
+          <a:fillRef idx="1">
+            <a:schemeClr val="accent1"/>
+          </a:fillRef>
+          <a:effectRef idx="0">
+            <a:schemeClr val="accent1"/>
+          </a:effectRef>
+          <a:fontRef idx="minor">
+            <a:schemeClr val="lt1"/>
+          </a:fontRef>
+        </p:style>
+        <p:txBody>
+          <a:bodyPr rtlCol="0" anchor="ctr"/>
+          <a:lstStyle/>
+          <a:p>
+            <a:pPr algn="ctr"/>
+            <a:endParaRPr lang="en-US"/>
+          </a:p>
+        </p:txBody>
+      </p:sp>
+      <p:pic>
+        <p:nvPicPr>
+          <p:cNvPr id="15" name="Picture 4" descr="Glowing circuit board">
+            <a:extLst>
+              <a:ext uri="{FF2B5EF4-FFF2-40B4-BE49-F238E27FC236}">
+                <a16:creationId xmlns:a16="http://schemas.microsoft.com/office/drawing/2014/main" id="{134FE988-485E-CD1E-6991-7C82B336D843}"/>
+              </a:ext>
+            </a:extLst>
+          </p:cNvPr>
+          <p:cNvPicPr>
+            <a:picLocks noChangeAspect="1"/>
+          </p:cNvPicPr>
+          <p:nvPr/>
+        </p:nvPicPr>
+        <p:blipFill rotWithShape="1">
+          <a:blip r:embed="rId2">
+            <a:alphaModFix amt="50000"/>
+          </a:blip>
+          <a:srcRect l="31790" r="8876" b="-1"/>
+          <a:stretch/>
+        </p:blipFill>
+        <p:spPr>
+          <a:xfrm>
+            <a:off x="20" y="10"/>
+            <a:ext cx="6095979" cy="6857990"/>
+          </a:xfrm>
+          <a:prstGeom prst="rect">
+            <a:avLst/>
+          </a:prstGeom>
+        </p:spPr>
+      </p:pic>
+      <p:sp>
+        <p:nvSpPr>
+          <p:cNvPr id="2" name="Title 1">
+            <a:extLst>
+              <a:ext uri="{FF2B5EF4-FFF2-40B4-BE49-F238E27FC236}">
+                <a16:creationId xmlns:a16="http://schemas.microsoft.com/office/drawing/2014/main" id="{E84F8469-07EA-FC68-50ED-E4DA10731DE3}"/>
+              </a:ext>
+            </a:extLst>
+          </p:cNvPr>
+          <p:cNvSpPr>
+            <a:spLocks noGrp="1"/>
+          </p:cNvSpPr>
+          <p:nvPr>
+            <p:ph type="title"/>
+          </p:nvPr>
+        </p:nvSpPr>
+        <p:spPr>
+          <a:xfrm>
+            <a:off x="1028700" y="1025718"/>
+            <a:ext cx="4057650" cy="4770783"/>
+          </a:xfrm>
+        </p:spPr>
+        <p:txBody>
+          <a:bodyPr anchor="ctr">
+            <a:normAutofit/>
+          </a:bodyPr>
+          <a:lstStyle/>
+          <a:p>
+            <a:pPr algn="ctr"/>
+            <a:r>
+              <a:rPr lang="en-IN">
+                <a:solidFill>
+                  <a:srgbClr val="FFFFFF"/>
+                </a:solidFill>
+              </a:rPr>
+              <a:t>Requirements </a:t>
+            </a:r>
+          </a:p>
+        </p:txBody>
+      </p:sp>
+      <p:sp>
+        <p:nvSpPr>
+          <p:cNvPr id="3" name="Content Placeholder 2">
+            <a:extLst>
+              <a:ext uri="{FF2B5EF4-FFF2-40B4-BE49-F238E27FC236}">
+                <a16:creationId xmlns:a16="http://schemas.microsoft.com/office/drawing/2014/main" id="{96F3B94D-20D1-5DCA-E297-B64543E09367}"/>
+              </a:ext>
+            </a:extLst>
+          </p:cNvPr>
+          <p:cNvSpPr>
+            <a:spLocks noGrp="1"/>
+          </p:cNvSpPr>
+          <p:nvPr>
+            <p:ph idx="1"/>
+          </p:nvPr>
+        </p:nvSpPr>
+        <p:spPr>
+          <a:xfrm>
+            <a:off x="7179972" y="762000"/>
+            <a:ext cx="3825025" cy="5334000"/>
+          </a:xfrm>
+        </p:spPr>
+        <p:txBody>
+          <a:bodyPr anchor="ctr">
+            <a:normAutofit/>
+          </a:bodyPr>
+          <a:lstStyle/>
+          <a:p>
+            <a:r>
+              <a:rPr lang="en-IN" dirty="0"/>
+              <a:t>Windows Operating System</a:t>
+            </a:r>
+          </a:p>
+          <a:p>
+            <a:r>
+              <a:rPr lang="en-IN" dirty="0"/>
+              <a:t>Ram 8gb</a:t>
+            </a:r>
+          </a:p>
+          <a:p>
+            <a:r>
+              <a:rPr lang="en-IN" dirty="0"/>
+              <a:t>Python 3.8.10</a:t>
+            </a:r>
+          </a:p>
+          <a:p>
+            <a:r>
+              <a:rPr lang="en-IN" dirty="0"/>
+              <a:t>PyCharm community edition</a:t>
+            </a:r>
+          </a:p>
+          <a:p>
+            <a:r>
+              <a:rPr lang="en-IN" dirty="0"/>
+              <a:t>Visual studio Code</a:t>
+            </a:r>
+          </a:p>
+          <a:p>
+            <a:endParaRPr lang="en-IN" dirty="0"/>
+          </a:p>
+        </p:txBody>
+      </p:sp>
+    </p:spTree>
+    <p:extLst>
+      <p:ext uri="{BB962C8B-B14F-4D97-AF65-F5344CB8AC3E}">
+        <p14:creationId xmlns:p14="http://schemas.microsoft.com/office/powerpoint/2010/main" val="2985701843"/>
+      </p:ext>
+    </p:extLst>
+  </p:cSld>
+  <p:clrMapOvr>
+    <a:masterClrMapping/>
+  </p:clrMapOvr>
+</p:sld>
+</file>
+
+<file path=ppt/slides/slide5.xml><?xml version="1.0" encoding="utf-8"?>
+<p:sld xmlns:a="http://schemas.openxmlformats.org/drawingml/2006/main" xmlns:r="http://schemas.openxmlformats.org/officeDocument/2006/relationships" xmlns:p="http://schemas.openxmlformats.org/presentationml/2006/main">
+  <p:cSld>
+    <p:bg>
+      <p:bgPr>
+        <a:solidFill>
+          <a:schemeClr val="bg1"/>
+        </a:solidFill>
+        <a:effectLst/>
+      </p:bgPr>
+    </p:bg>
+    <p:spTree>
+      <p:nvGrpSpPr>
+        <p:cNvPr id="1" name=""/>
+        <p:cNvGrpSpPr/>
+        <p:nvPr/>
+      </p:nvGrpSpPr>
+      <p:grpSpPr>
+        <a:xfrm>
+          <a:off x="0" y="0"/>
+          <a:ext cx="0" cy="0"/>
+          <a:chOff x="0" y="0"/>
+          <a:chExt cx="0" cy="0"/>
+        </a:xfrm>
+      </p:grpSpPr>
+      <p:sp useBgFill="1">
+        <p:nvSpPr>
           <p:cNvPr id="1031" name="Rectangle 1030">
             <a:extLst>
               <a:ext uri="{FF2B5EF4-FFF2-40B4-BE49-F238E27FC236}">
@@ -5323,7 +6433,250 @@
 </p:sld>
 </file>
 
-<file path=ppt/slides/slide5.xml><?xml version="1.0" encoding="utf-8"?>
+<file path=ppt/slides/slide6.xml><?xml version="1.0" encoding="utf-8"?>
+<p:sld xmlns:a="http://schemas.openxmlformats.org/drawingml/2006/main" xmlns:r="http://schemas.openxmlformats.org/officeDocument/2006/relationships" xmlns:p="http://schemas.openxmlformats.org/presentationml/2006/main">
+  <p:cSld>
+    <p:spTree>
+      <p:nvGrpSpPr>
+        <p:cNvPr id="1" name=""/>
+        <p:cNvGrpSpPr/>
+        <p:nvPr/>
+      </p:nvGrpSpPr>
+      <p:grpSpPr>
+        <a:xfrm>
+          <a:off x="0" y="0"/>
+          <a:ext cx="0" cy="0"/>
+          <a:chOff x="0" y="0"/>
+          <a:chExt cx="0" cy="0"/>
+        </a:xfrm>
+      </p:grpSpPr>
+      <p:sp>
+        <p:nvSpPr>
+          <p:cNvPr id="2" name="Title 1">
+            <a:extLst>
+              <a:ext uri="{FF2B5EF4-FFF2-40B4-BE49-F238E27FC236}">
+                <a16:creationId xmlns:a16="http://schemas.microsoft.com/office/drawing/2014/main" id="{8CEBD8B5-C28F-0E6C-11E3-A4D910ABCCD3}"/>
+              </a:ext>
+            </a:extLst>
+          </p:cNvPr>
+          <p:cNvSpPr>
+            <a:spLocks noGrp="1"/>
+          </p:cNvSpPr>
+          <p:nvPr>
+            <p:ph type="title"/>
+          </p:nvPr>
+        </p:nvSpPr>
+        <p:spPr/>
+        <p:txBody>
+          <a:bodyPr/>
+          <a:lstStyle/>
+          <a:p>
+            <a:r>
+              <a:rPr lang="en-IN" dirty="0"/>
+              <a:t>Origin of the Project</a:t>
+            </a:r>
+          </a:p>
+        </p:txBody>
+      </p:sp>
+      <p:sp>
+        <p:nvSpPr>
+          <p:cNvPr id="3" name="Content Placeholder 2">
+            <a:extLst>
+              <a:ext uri="{FF2B5EF4-FFF2-40B4-BE49-F238E27FC236}">
+                <a16:creationId xmlns:a16="http://schemas.microsoft.com/office/drawing/2014/main" id="{E0784A86-1662-1205-4982-76529F834888}"/>
+              </a:ext>
+            </a:extLst>
+          </p:cNvPr>
+          <p:cNvSpPr>
+            <a:spLocks noGrp="1"/>
+          </p:cNvSpPr>
+          <p:nvPr>
+            <p:ph idx="1"/>
+          </p:nvPr>
+        </p:nvSpPr>
+        <p:spPr/>
+        <p:txBody>
+          <a:bodyPr/>
+          <a:lstStyle/>
+          <a:p>
+            <a:r>
+              <a:rPr lang="en-US" dirty="0"/>
+              <a:t>The origin of the proposal is because of being sick of the manual registrations filling forms and all those to get rid of the manual registration process we took this project to make all computerized and we do not require to store data it will save and will not be removed as long as we remove.</a:t>
+            </a:r>
+            <a:endParaRPr lang="en-IN" dirty="0"/>
+          </a:p>
+        </p:txBody>
+      </p:sp>
+    </p:spTree>
+    <p:extLst>
+      <p:ext uri="{BB962C8B-B14F-4D97-AF65-F5344CB8AC3E}">
+        <p14:creationId xmlns:p14="http://schemas.microsoft.com/office/powerpoint/2010/main" val="3220469359"/>
+      </p:ext>
+    </p:extLst>
+  </p:cSld>
+  <p:clrMapOvr>
+    <a:masterClrMapping/>
+  </p:clrMapOvr>
+</p:sld>
+</file>
+
+<file path=ppt/slides/slide7.xml><?xml version="1.0" encoding="utf-8"?>
+<p:sld xmlns:a="http://schemas.openxmlformats.org/drawingml/2006/main" xmlns:r="http://schemas.openxmlformats.org/officeDocument/2006/relationships" xmlns:p="http://schemas.openxmlformats.org/presentationml/2006/main">
+  <p:cSld>
+    <p:spTree>
+      <p:nvGrpSpPr>
+        <p:cNvPr id="1" name=""/>
+        <p:cNvGrpSpPr/>
+        <p:nvPr/>
+      </p:nvGrpSpPr>
+      <p:grpSpPr>
+        <a:xfrm>
+          <a:off x="0" y="0"/>
+          <a:ext cx="0" cy="0"/>
+          <a:chOff x="0" y="0"/>
+          <a:chExt cx="0" cy="0"/>
+        </a:xfrm>
+      </p:grpSpPr>
+      <p:sp>
+        <p:nvSpPr>
+          <p:cNvPr id="2" name="Title 1">
+            <a:extLst>
+              <a:ext uri="{FF2B5EF4-FFF2-40B4-BE49-F238E27FC236}">
+                <a16:creationId xmlns:a16="http://schemas.microsoft.com/office/drawing/2014/main" id="{188B54D4-3CA2-1DD4-FD3C-4079400BD01F}"/>
+              </a:ext>
+            </a:extLst>
+          </p:cNvPr>
+          <p:cNvSpPr>
+            <a:spLocks noGrp="1"/>
+          </p:cNvSpPr>
+          <p:nvPr>
+            <p:ph type="title"/>
+          </p:nvPr>
+        </p:nvSpPr>
+        <p:spPr/>
+        <p:txBody>
+          <a:bodyPr/>
+          <a:lstStyle/>
+          <a:p>
+            <a:r>
+              <a:rPr lang="en-IN" dirty="0"/>
+              <a:t>METHODS AND MATERIALS</a:t>
+            </a:r>
+          </a:p>
+        </p:txBody>
+      </p:sp>
+      <p:sp>
+        <p:nvSpPr>
+          <p:cNvPr id="3" name="Content Placeholder 2">
+            <a:extLst>
+              <a:ext uri="{FF2B5EF4-FFF2-40B4-BE49-F238E27FC236}">
+                <a16:creationId xmlns:a16="http://schemas.microsoft.com/office/drawing/2014/main" id="{13D441B2-E51E-2699-C588-F1038D358A6A}"/>
+              </a:ext>
+            </a:extLst>
+          </p:cNvPr>
+          <p:cNvSpPr>
+            <a:spLocks noGrp="1"/>
+          </p:cNvSpPr>
+          <p:nvPr>
+            <p:ph idx="1"/>
+          </p:nvPr>
+        </p:nvSpPr>
+        <p:spPr/>
+        <p:txBody>
+          <a:bodyPr>
+            <a:normAutofit fontScale="85000" lnSpcReduction="10000"/>
+          </a:bodyPr>
+          <a:lstStyle/>
+          <a:p>
+            <a:r>
+              <a:rPr lang="en-US" dirty="0"/>
+              <a:t>In the program we did not used methods in the program that are classes are not used rather we used the functions like display </a:t>
+            </a:r>
+            <a:r>
+              <a:rPr lang="en-US" dirty="0" err="1"/>
+              <a:t>records,add</a:t>
+            </a:r>
+            <a:r>
+              <a:rPr lang="en-US" dirty="0"/>
+              <a:t> records, reset fields, delete record, edit record, display selected record. We used packages for the project are datetime, </a:t>
+            </a:r>
+            <a:r>
+              <a:rPr lang="en-US" dirty="0" err="1"/>
+              <a:t>tkinter</a:t>
+            </a:r>
+            <a:r>
+              <a:rPr lang="en-US" dirty="0"/>
+              <a:t>, </a:t>
+            </a:r>
+            <a:r>
+              <a:rPr lang="en-US" dirty="0" err="1"/>
+              <a:t>tkinter</a:t>
+            </a:r>
+            <a:r>
+              <a:rPr lang="en-US" dirty="0"/>
+              <a:t>. </a:t>
+            </a:r>
+            <a:r>
+              <a:rPr lang="en-US" dirty="0" err="1"/>
+              <a:t>meeseagebox</a:t>
+            </a:r>
+            <a:r>
+              <a:rPr lang="en-US" dirty="0"/>
+              <a:t>, sqllite3. We created the GUI using </a:t>
+            </a:r>
+            <a:r>
+              <a:rPr lang="en-US" dirty="0" err="1"/>
+              <a:t>tkinter</a:t>
+            </a:r>
+            <a:r>
+              <a:rPr lang="en-US" dirty="0"/>
+              <a:t> and for storage purpose we used the sqllite3 for storing the data. I chose those functions because the data base should be able add data delete the data and display the data so we created a different functions each and every functionality. </a:t>
+            </a:r>
+          </a:p>
+          <a:p>
+            <a:r>
+              <a:rPr lang="en-US" dirty="0"/>
+              <a:t>The materials used to prepare the code and execute are the </a:t>
+            </a:r>
+          </a:p>
+          <a:p>
+            <a:r>
+              <a:rPr lang="en-US" dirty="0"/>
+              <a:t>1. PyCharm </a:t>
+            </a:r>
+          </a:p>
+          <a:p>
+            <a:r>
+              <a:rPr lang="en-US" dirty="0"/>
+              <a:t>2. Visual studio code </a:t>
+            </a:r>
+          </a:p>
+          <a:p>
+            <a:pPr marL="0" indent="0">
+              <a:buNone/>
+            </a:pPr>
+            <a:r>
+              <a:rPr lang="en-US" dirty="0"/>
+              <a:t>At first the code surfed in the google and we took a sample to make our code we first prepared it in the PyCharm and then after made changes and edits in the visual studio code because it more easy to use than the PyCharm. </a:t>
+            </a:r>
+            <a:endParaRPr lang="en-IN" dirty="0"/>
+          </a:p>
+        </p:txBody>
+      </p:sp>
+    </p:spTree>
+    <p:extLst>
+      <p:ext uri="{BB962C8B-B14F-4D97-AF65-F5344CB8AC3E}">
+        <p14:creationId xmlns:p14="http://schemas.microsoft.com/office/powerpoint/2010/main" val="3617945245"/>
+      </p:ext>
+    </p:extLst>
+  </p:cSld>
+  <p:clrMapOvr>
+    <a:masterClrMapping/>
+  </p:clrMapOvr>
+</p:sld>
+</file>
+
+<file path=ppt/slides/slide8.xml><?xml version="1.0" encoding="utf-8"?>
 <p:sld xmlns:a="http://schemas.openxmlformats.org/drawingml/2006/main" xmlns:r="http://schemas.openxmlformats.org/officeDocument/2006/relationships" xmlns:p="http://schemas.openxmlformats.org/presentationml/2006/main">
   <p:cSld>
     <p:bg>
@@ -5723,17 +7076,9 @@
 </p:sld>
 </file>
 
-<file path=ppt/slides/slide6.xml><?xml version="1.0" encoding="utf-8"?>
+<file path=ppt/slides/slide9.xml><?xml version="1.0" encoding="utf-8"?>
 <p:sld xmlns:a="http://schemas.openxmlformats.org/drawingml/2006/main" xmlns:r="http://schemas.openxmlformats.org/officeDocument/2006/relationships" xmlns:p="http://schemas.openxmlformats.org/presentationml/2006/main">
   <p:cSld>
-    <p:bg>
-      <p:bgPr>
-        <a:solidFill>
-          <a:schemeClr val="bg1"/>
-        </a:solidFill>
-        <a:effectLst/>
-      </p:bgPr>
-    </p:bg>
     <p:spTree>
       <p:nvGrpSpPr>
         <p:cNvPr id="1" name=""/>
@@ -5748,558 +7093,76 @@
           <a:chExt cx="0" cy="0"/>
         </a:xfrm>
       </p:grpSpPr>
-      <p:sp useBgFill="1">
-        <p:nvSpPr>
-          <p:cNvPr id="13" name="Rectangle 8">
-            <a:extLst>
-              <a:ext uri="{FF2B5EF4-FFF2-40B4-BE49-F238E27FC236}">
-                <a16:creationId xmlns:a16="http://schemas.microsoft.com/office/drawing/2014/main" id="{1265911B-1E2F-489E-97EF-A15A9299E703}"/>
-              </a:ext>
-              <a:ext uri="{C183D7F6-B498-43B3-948B-1728B52AA6E4}">
-                <adec:decorative xmlns:adec="http://schemas.microsoft.com/office/drawing/2017/decorative" val="1"/>
-              </a:ext>
-            </a:extLst>
-          </p:cNvPr>
-          <p:cNvSpPr>
-            <a:spLocks noGrp="1" noRot="1" noChangeAspect="1" noMove="1" noResize="1" noEditPoints="1" noAdjustHandles="1" noChangeArrowheads="1" noChangeShapeType="1" noTextEdit="1"/>
-          </p:cNvSpPr>
-          <p:nvPr>
-            <p:extLst>
-              <p:ext uri="{386F3935-93C4-4BCD-93E2-E3B085C9AB24}">
-                <p16:designElem xmlns:p16="http://schemas.microsoft.com/office/powerpoint/2015/main" val="1"/>
-              </p:ext>
-            </p:extLst>
-          </p:nvPr>
-        </p:nvSpPr>
-        <p:spPr>
-          <a:xfrm>
-            <a:off x="0" y="0"/>
-            <a:ext cx="12192000" cy="6858000"/>
-          </a:xfrm>
-          <a:prstGeom prst="rect">
-            <a:avLst/>
-          </a:prstGeom>
-          <a:ln w="12700" cap="flat" cmpd="sng" algn="ctr">
-            <a:noFill/>
-            <a:prstDash val="solid"/>
-            <a:miter lim="800000"/>
-          </a:ln>
-          <a:effectLst/>
-          <a:extLst>
-            <a:ext uri="{91240B29-F687-4F45-9708-019B960494DF}">
-              <a14:hiddenLine xmlns:a14="http://schemas.microsoft.com/office/drawing/2010/main" w="12700" cap="flat" cmpd="sng" algn="ctr">
-                <a:solidFill>
-                  <a:schemeClr val="accent1">
-                    <a:shade val="50000"/>
-                  </a:schemeClr>
-                </a:solidFill>
-                <a:prstDash val="solid"/>
-                <a:miter lim="800000"/>
-              </a14:hiddenLine>
-            </a:ext>
-          </a:extLst>
-        </p:spPr>
-        <p:style>
-          <a:lnRef idx="2">
-            <a:schemeClr val="accent1">
-              <a:shade val="50000"/>
-            </a:schemeClr>
-          </a:lnRef>
-          <a:fillRef idx="1">
-            <a:schemeClr val="accent1"/>
-          </a:fillRef>
-          <a:effectRef idx="0">
-            <a:schemeClr val="accent1"/>
-          </a:effectRef>
-          <a:fontRef idx="minor">
-            <a:schemeClr val="lt1"/>
-          </a:fontRef>
-        </p:style>
-        <p:txBody>
-          <a:bodyPr rtlCol="0" anchor="ctr"/>
-          <a:lstStyle/>
-          <a:p>
-            <a:pPr algn="ctr"/>
-            <a:endParaRPr lang="en-US"/>
-          </a:p>
-        </p:txBody>
-      </p:sp>
-      <p:sp>
-        <p:nvSpPr>
-          <p:cNvPr id="14" name="Rectangle 10">
-            <a:extLst>
-              <a:ext uri="{FF2B5EF4-FFF2-40B4-BE49-F238E27FC236}">
-                <a16:creationId xmlns:a16="http://schemas.microsoft.com/office/drawing/2014/main" id="{2119D4F1-CE65-4D74-A168-F27C15F1B00C}"/>
-              </a:ext>
-              <a:ext uri="{C183D7F6-B498-43B3-948B-1728B52AA6E4}">
-                <adec:decorative xmlns:adec="http://schemas.microsoft.com/office/drawing/2017/decorative" val="1"/>
-              </a:ext>
-            </a:extLst>
-          </p:cNvPr>
-          <p:cNvSpPr>
-            <a:spLocks noGrp="1" noRot="1" noChangeAspect="1" noMove="1" noResize="1" noEditPoints="1" noAdjustHandles="1" noChangeArrowheads="1" noChangeShapeType="1" noTextEdit="1"/>
-          </p:cNvSpPr>
-          <p:nvPr>
-            <p:extLst>
-              <p:ext uri="{386F3935-93C4-4BCD-93E2-E3B085C9AB24}">
-                <p16:designElem xmlns:p16="http://schemas.microsoft.com/office/powerpoint/2015/main" val="1"/>
-              </p:ext>
-            </p:extLst>
-          </p:nvPr>
-        </p:nvSpPr>
-        <p:spPr>
-          <a:xfrm>
-            <a:off x="0" y="0"/>
-            <a:ext cx="6096000" cy="6858000"/>
-          </a:xfrm>
-          <a:prstGeom prst="rect">
-            <a:avLst/>
-          </a:prstGeom>
-          <a:solidFill>
-            <a:srgbClr val="000000"/>
-          </a:solidFill>
-          <a:ln w="12700" cap="flat" cmpd="sng" algn="ctr">
-            <a:noFill/>
-            <a:prstDash val="solid"/>
-            <a:miter lim="800000"/>
-          </a:ln>
-          <a:effectLst/>
-        </p:spPr>
-        <p:style>
-          <a:lnRef idx="2">
-            <a:schemeClr val="accent1">
-              <a:shade val="50000"/>
-            </a:schemeClr>
-          </a:lnRef>
-          <a:fillRef idx="1">
-            <a:schemeClr val="accent1"/>
-          </a:fillRef>
-          <a:effectRef idx="0">
-            <a:schemeClr val="accent1"/>
-          </a:effectRef>
-          <a:fontRef idx="minor">
-            <a:schemeClr val="lt1"/>
-          </a:fontRef>
-        </p:style>
-        <p:txBody>
-          <a:bodyPr rtlCol="0" anchor="ctr"/>
-          <a:lstStyle/>
-          <a:p>
-            <a:pPr algn="ctr"/>
-            <a:endParaRPr lang="en-US"/>
+      <p:sp>
+        <p:nvSpPr>
+          <p:cNvPr id="2" name="Title 1">
+            <a:extLst>
+              <a:ext uri="{FF2B5EF4-FFF2-40B4-BE49-F238E27FC236}">
+                <a16:creationId xmlns:a16="http://schemas.microsoft.com/office/drawing/2014/main" id="{551BADA3-003F-FE24-0E5C-C34AF8D762A8}"/>
+              </a:ext>
+            </a:extLst>
+          </p:cNvPr>
+          <p:cNvSpPr>
+            <a:spLocks noGrp="1"/>
+          </p:cNvSpPr>
+          <p:nvPr>
+            <p:ph type="title"/>
+          </p:nvPr>
+        </p:nvSpPr>
+        <p:spPr/>
+        <p:txBody>
+          <a:bodyPr/>
+          <a:lstStyle/>
+          <a:p>
+            <a:r>
+              <a:rPr lang="en-IN" dirty="0"/>
+              <a:t>BLOCK DIAGRAM</a:t>
+            </a:r>
           </a:p>
         </p:txBody>
       </p:sp>
       <p:pic>
         <p:nvPicPr>
-          <p:cNvPr id="15" name="Picture 4" descr="Glowing circuit board">
-            <a:extLst>
-              <a:ext uri="{FF2B5EF4-FFF2-40B4-BE49-F238E27FC236}">
-                <a16:creationId xmlns:a16="http://schemas.microsoft.com/office/drawing/2014/main" id="{134FE988-485E-CD1E-6991-7C82B336D843}"/>
+          <p:cNvPr id="4" name="Content Placeholder 3">
+            <a:extLst>
+              <a:ext uri="{FF2B5EF4-FFF2-40B4-BE49-F238E27FC236}">
+                <a16:creationId xmlns:a16="http://schemas.microsoft.com/office/drawing/2014/main" id="{ED40467D-8960-70ED-1F1F-34FEB9E58033}"/>
               </a:ext>
             </a:extLst>
           </p:cNvPr>
           <p:cNvPicPr>
-            <a:picLocks noChangeAspect="1"/>
+            <a:picLocks noGrp="1" noChangeAspect="1"/>
           </p:cNvPicPr>
-          <p:nvPr/>
+          <p:nvPr>
+            <p:ph idx="1"/>
+          </p:nvPr>
         </p:nvPicPr>
-        <p:blipFill rotWithShape="1">
-          <a:blip r:embed="rId2">
-            <a:alphaModFix amt="50000"/>
+        <p:blipFill>
+          <a:blip r:embed="rId2" cstate="print">
+            <a:extLst>
+              <a:ext uri="{28A0092B-C50C-407E-A947-70E740481C1C}">
+                <a14:useLocalDpi xmlns:a14="http://schemas.microsoft.com/office/drawing/2010/main" val="0"/>
+              </a:ext>
+            </a:extLst>
           </a:blip>
-          <a:srcRect l="31790" r="8876" b="-1"/>
-          <a:stretch/>
+          <a:stretch>
+            <a:fillRect/>
+          </a:stretch>
         </p:blipFill>
         <p:spPr>
           <a:xfrm>
-            <a:off x="20" y="10"/>
-            <a:ext cx="6095979" cy="6857990"/>
+            <a:off x="1653934" y="2286000"/>
+            <a:ext cx="8790470" cy="3810000"/>
           </a:xfrm>
           <a:prstGeom prst="rect">
             <a:avLst/>
           </a:prstGeom>
         </p:spPr>
       </p:pic>
-      <p:sp>
-        <p:nvSpPr>
-          <p:cNvPr id="2" name="Title 1">
-            <a:extLst>
-              <a:ext uri="{FF2B5EF4-FFF2-40B4-BE49-F238E27FC236}">
-                <a16:creationId xmlns:a16="http://schemas.microsoft.com/office/drawing/2014/main" id="{E84F8469-07EA-FC68-50ED-E4DA10731DE3}"/>
-              </a:ext>
-            </a:extLst>
-          </p:cNvPr>
-          <p:cNvSpPr>
-            <a:spLocks noGrp="1"/>
-          </p:cNvSpPr>
-          <p:nvPr>
-            <p:ph type="title"/>
-          </p:nvPr>
-        </p:nvSpPr>
-        <p:spPr>
-          <a:xfrm>
-            <a:off x="1028700" y="1025718"/>
-            <a:ext cx="4057650" cy="4770783"/>
-          </a:xfrm>
-        </p:spPr>
-        <p:txBody>
-          <a:bodyPr anchor="ctr">
-            <a:normAutofit/>
-          </a:bodyPr>
-          <a:lstStyle/>
-          <a:p>
-            <a:pPr algn="ctr"/>
-            <a:r>
-              <a:rPr lang="en-IN">
-                <a:solidFill>
-                  <a:srgbClr val="FFFFFF"/>
-                </a:solidFill>
-              </a:rPr>
-              <a:t>Requirements </a:t>
-            </a:r>
-          </a:p>
-        </p:txBody>
-      </p:sp>
-      <p:sp>
-        <p:nvSpPr>
-          <p:cNvPr id="3" name="Content Placeholder 2">
-            <a:extLst>
-              <a:ext uri="{FF2B5EF4-FFF2-40B4-BE49-F238E27FC236}">
-                <a16:creationId xmlns:a16="http://schemas.microsoft.com/office/drawing/2014/main" id="{96F3B94D-20D1-5DCA-E297-B64543E09367}"/>
-              </a:ext>
-            </a:extLst>
-          </p:cNvPr>
-          <p:cNvSpPr>
-            <a:spLocks noGrp="1"/>
-          </p:cNvSpPr>
-          <p:nvPr>
-            <p:ph idx="1"/>
-          </p:nvPr>
-        </p:nvSpPr>
-        <p:spPr>
-          <a:xfrm>
-            <a:off x="7179972" y="762000"/>
-            <a:ext cx="3825025" cy="5334000"/>
-          </a:xfrm>
-        </p:spPr>
-        <p:txBody>
-          <a:bodyPr anchor="ctr">
-            <a:normAutofit/>
-          </a:bodyPr>
-          <a:lstStyle/>
-          <a:p>
-            <a:r>
-              <a:rPr lang="en-IN" dirty="0"/>
-              <a:t>Windows Operating System</a:t>
-            </a:r>
-          </a:p>
-          <a:p>
-            <a:r>
-              <a:rPr lang="en-IN" dirty="0"/>
-              <a:t>Ram 8gb</a:t>
-            </a:r>
-          </a:p>
-          <a:p>
-            <a:r>
-              <a:rPr lang="en-IN" dirty="0"/>
-              <a:t>Python 3.8.10</a:t>
-            </a:r>
-          </a:p>
-          <a:p>
-            <a:r>
-              <a:rPr lang="en-IN" dirty="0" err="1"/>
-              <a:t>Pycharm</a:t>
-            </a:r>
-            <a:r>
-              <a:rPr lang="en-IN" dirty="0"/>
-              <a:t> community edition</a:t>
-            </a:r>
-          </a:p>
-          <a:p>
-            <a:endParaRPr lang="en-IN" dirty="0"/>
-          </a:p>
-        </p:txBody>
-      </p:sp>
     </p:spTree>
     <p:extLst>
       <p:ext uri="{BB962C8B-B14F-4D97-AF65-F5344CB8AC3E}">
-        <p14:creationId xmlns:p14="http://schemas.microsoft.com/office/powerpoint/2010/main" val="2985701843"/>
-      </p:ext>
-    </p:extLst>
-  </p:cSld>
-  <p:clrMapOvr>
-    <a:masterClrMapping/>
-  </p:clrMapOvr>
-</p:sld>
-</file>
-
-<file path=ppt/slides/slide7.xml><?xml version="1.0" encoding="utf-8"?>
-<p:sld xmlns:a="http://schemas.openxmlformats.org/drawingml/2006/main" xmlns:r="http://schemas.openxmlformats.org/officeDocument/2006/relationships" xmlns:p="http://schemas.openxmlformats.org/presentationml/2006/main">
-  <p:cSld>
-    <p:bg>
-      <p:bgPr>
-        <a:solidFill>
-          <a:schemeClr val="bg1"/>
-        </a:solidFill>
-        <a:effectLst/>
-      </p:bgPr>
-    </p:bg>
-    <p:spTree>
-      <p:nvGrpSpPr>
-        <p:cNvPr id="1" name=""/>
-        <p:cNvGrpSpPr/>
-        <p:nvPr/>
-      </p:nvGrpSpPr>
-      <p:grpSpPr>
-        <a:xfrm>
-          <a:off x="0" y="0"/>
-          <a:ext cx="0" cy="0"/>
-          <a:chOff x="0" y="0"/>
-          <a:chExt cx="0" cy="0"/>
-        </a:xfrm>
-      </p:grpSpPr>
-      <p:cxnSp>
-        <p:nvCxnSpPr>
-          <p:cNvPr id="16" name="Straight Connector 15">
-            <a:extLst>
-              <a:ext uri="{FF2B5EF4-FFF2-40B4-BE49-F238E27FC236}">
-                <a16:creationId xmlns:a16="http://schemas.microsoft.com/office/drawing/2014/main" id="{AEED5540-64E5-4258-ABA4-753F07B71B38}"/>
-              </a:ext>
-              <a:ext uri="{C183D7F6-B498-43B3-948B-1728B52AA6E4}">
-                <adec:decorative xmlns:adec="http://schemas.microsoft.com/office/drawing/2017/decorative" val="1"/>
-              </a:ext>
-            </a:extLst>
-          </p:cNvPr>
-          <p:cNvCxnSpPr>
-            <a:cxnSpLocks noGrp="1" noRot="1" noChangeAspect="1" noMove="1" noResize="1" noEditPoints="1" noAdjustHandles="1" noChangeArrowheads="1" noChangeShapeType="1"/>
-          </p:cNvCxnSpPr>
-          <p:nvPr>
-            <p:extLst>
-              <p:ext uri="{386F3935-93C4-4BCD-93E2-E3B085C9AB24}">
-                <p16:designElem xmlns:p16="http://schemas.microsoft.com/office/powerpoint/2015/main" val="1"/>
-              </p:ext>
-            </p:extLst>
-          </p:nvPr>
-        </p:nvCxnSpPr>
-        <p:spPr>
-          <a:xfrm>
-            <a:off x="1524000" y="4571506"/>
-            <a:ext cx="971155" cy="0"/>
-          </a:xfrm>
-          <a:prstGeom prst="line">
-            <a:avLst/>
-          </a:prstGeom>
-          <a:ln w="31750">
-            <a:solidFill>
-              <a:schemeClr val="tx1"/>
-            </a:solidFill>
-          </a:ln>
-        </p:spPr>
-        <p:style>
-          <a:lnRef idx="1">
-            <a:schemeClr val="accent1"/>
-          </a:lnRef>
-          <a:fillRef idx="0">
-            <a:schemeClr val="accent1"/>
-          </a:fillRef>
-          <a:effectRef idx="0">
-            <a:schemeClr val="accent1"/>
-          </a:effectRef>
-          <a:fontRef idx="minor">
-            <a:schemeClr val="tx1"/>
-          </a:fontRef>
-        </p:style>
-      </p:cxnSp>
-      <p:sp>
-        <p:nvSpPr>
-          <p:cNvPr id="18" name="Rectangle 17">
-            <a:extLst>
-              <a:ext uri="{FF2B5EF4-FFF2-40B4-BE49-F238E27FC236}">
-                <a16:creationId xmlns:a16="http://schemas.microsoft.com/office/drawing/2014/main" id="{B1C3281D-A46F-4842-9340-4CBC29E1B260}"/>
-              </a:ext>
-              <a:ext uri="{C183D7F6-B498-43B3-948B-1728B52AA6E4}">
-                <adec:decorative xmlns:adec="http://schemas.microsoft.com/office/drawing/2017/decorative" val="1"/>
-              </a:ext>
-            </a:extLst>
-          </p:cNvPr>
-          <p:cNvSpPr>
-            <a:spLocks noGrp="1" noRot="1" noChangeAspect="1" noMove="1" noResize="1" noEditPoints="1" noAdjustHandles="1" noChangeArrowheads="1" noChangeShapeType="1" noTextEdit="1"/>
-          </p:cNvSpPr>
-          <p:nvPr>
-            <p:extLst>
-              <p:ext uri="{386F3935-93C4-4BCD-93E2-E3B085C9AB24}">
-                <p16:designElem xmlns:p16="http://schemas.microsoft.com/office/powerpoint/2015/main" val="1"/>
-              </p:ext>
-            </p:extLst>
-          </p:nvPr>
-        </p:nvSpPr>
-        <p:spPr>
-          <a:xfrm>
-            <a:off x="0" y="0"/>
-            <a:ext cx="12192000" cy="6858000"/>
-          </a:xfrm>
-          <a:prstGeom prst="rect">
-            <a:avLst/>
-          </a:prstGeom>
-          <a:solidFill>
-            <a:srgbClr val="000000"/>
-          </a:solidFill>
-          <a:ln w="12700" cap="flat" cmpd="sng" algn="ctr">
-            <a:noFill/>
-            <a:prstDash val="solid"/>
-            <a:miter lim="800000"/>
-          </a:ln>
-          <a:effectLst/>
-        </p:spPr>
-        <p:style>
-          <a:lnRef idx="2">
-            <a:schemeClr val="accent1">
-              <a:shade val="50000"/>
-            </a:schemeClr>
-          </a:lnRef>
-          <a:fillRef idx="1">
-            <a:schemeClr val="accent1"/>
-          </a:fillRef>
-          <a:effectRef idx="0">
-            <a:schemeClr val="accent1"/>
-          </a:effectRef>
-          <a:fontRef idx="minor">
-            <a:schemeClr val="lt1"/>
-          </a:fontRef>
-        </p:style>
-        <p:txBody>
-          <a:bodyPr rtlCol="0" anchor="ctr"/>
-          <a:lstStyle/>
-          <a:p>
-            <a:pPr algn="ctr"/>
-            <a:endParaRPr lang="en-US"/>
-          </a:p>
-        </p:txBody>
-      </p:sp>
-      <p:pic>
-        <p:nvPicPr>
-          <p:cNvPr id="5" name="Picture 4" descr="Basketball going into hoop against sky">
-            <a:extLst>
-              <a:ext uri="{FF2B5EF4-FFF2-40B4-BE49-F238E27FC236}">
-                <a16:creationId xmlns:a16="http://schemas.microsoft.com/office/drawing/2014/main" id="{942768E6-170E-5C03-5036-54DFE1168251}"/>
-              </a:ext>
-            </a:extLst>
-          </p:cNvPr>
-          <p:cNvPicPr>
-            <a:picLocks noChangeAspect="1"/>
-          </p:cNvPicPr>
-          <p:nvPr/>
-        </p:nvPicPr>
-        <p:blipFill rotWithShape="1">
-          <a:blip r:embed="rId2">
-            <a:alphaModFix amt="50000"/>
-          </a:blip>
-          <a:srcRect t="24954" b="46"/>
-          <a:stretch/>
-        </p:blipFill>
-        <p:spPr>
-          <a:xfrm>
-            <a:off x="0" y="10"/>
-            <a:ext cx="12191980" cy="6857990"/>
-          </a:xfrm>
-          <a:prstGeom prst="rect">
-            <a:avLst/>
-          </a:prstGeom>
-        </p:spPr>
-      </p:pic>
-      <p:sp>
-        <p:nvSpPr>
-          <p:cNvPr id="2" name="Title 1">
-            <a:extLst>
-              <a:ext uri="{FF2B5EF4-FFF2-40B4-BE49-F238E27FC236}">
-                <a16:creationId xmlns:a16="http://schemas.microsoft.com/office/drawing/2014/main" id="{CB547D6B-E229-85B5-6B2F-C7577CC386D5}"/>
-              </a:ext>
-            </a:extLst>
-          </p:cNvPr>
-          <p:cNvSpPr>
-            <a:spLocks noGrp="1"/>
-          </p:cNvSpPr>
-          <p:nvPr>
-            <p:ph type="title"/>
-          </p:nvPr>
-        </p:nvSpPr>
-        <p:spPr>
-          <a:xfrm>
-            <a:off x="2238258" y="1424473"/>
-            <a:ext cx="7714388" cy="2850146"/>
-          </a:xfrm>
-        </p:spPr>
-        <p:txBody>
-          <a:bodyPr vert="horz" lIns="91440" tIns="45720" rIns="91440" bIns="45720" rtlCol="0" anchor="b">
-            <a:normAutofit/>
-          </a:bodyPr>
-          <a:lstStyle/>
-          <a:p>
-            <a:pPr algn="ctr"/>
-            <a:r>
-              <a:rPr lang="en-US" sz="6600" dirty="0"/>
-              <a:t>THANK YOU</a:t>
-            </a:r>
-          </a:p>
-        </p:txBody>
-      </p:sp>
-      <p:cxnSp>
-        <p:nvCxnSpPr>
-          <p:cNvPr id="20" name="Straight Connector 19">
-            <a:extLst>
-              <a:ext uri="{FF2B5EF4-FFF2-40B4-BE49-F238E27FC236}">
-                <a16:creationId xmlns:a16="http://schemas.microsoft.com/office/drawing/2014/main" id="{D4EDB048-C82F-4E9B-BCE9-3D1DBE5D59CE}"/>
-              </a:ext>
-              <a:ext uri="{C183D7F6-B498-43B3-948B-1728B52AA6E4}">
-                <adec:decorative xmlns:adec="http://schemas.microsoft.com/office/drawing/2017/decorative" val="1"/>
-              </a:ext>
-            </a:extLst>
-          </p:cNvPr>
-          <p:cNvCxnSpPr>
-            <a:cxnSpLocks noGrp="1" noRot="1" noChangeAspect="1" noMove="1" noResize="1" noEditPoints="1" noAdjustHandles="1" noChangeArrowheads="1" noChangeShapeType="1"/>
-          </p:cNvCxnSpPr>
-          <p:nvPr>
-            <p:extLst>
-              <p:ext uri="{386F3935-93C4-4BCD-93E2-E3B085C9AB24}">
-                <p16:designElem xmlns:p16="http://schemas.microsoft.com/office/powerpoint/2015/main" val="1"/>
-              </p:ext>
-            </p:extLst>
-          </p:nvPr>
-        </p:nvCxnSpPr>
-        <p:spPr>
-          <a:xfrm>
-            <a:off x="5609875" y="4578595"/>
-            <a:ext cx="971155" cy="0"/>
-          </a:xfrm>
-          <a:prstGeom prst="line">
-            <a:avLst/>
-          </a:prstGeom>
-          <a:ln w="31750">
-            <a:solidFill>
-              <a:srgbClr val="FFFFFF"/>
-            </a:solidFill>
-          </a:ln>
-        </p:spPr>
-        <p:style>
-          <a:lnRef idx="1">
-            <a:schemeClr val="accent1"/>
-          </a:lnRef>
-          <a:fillRef idx="0">
-            <a:schemeClr val="accent1"/>
-          </a:fillRef>
-          <a:effectRef idx="0">
-            <a:schemeClr val="accent1"/>
-          </a:effectRef>
-          <a:fontRef idx="minor">
-            <a:schemeClr val="tx1"/>
-          </a:fontRef>
-        </p:style>
-      </p:cxnSp>
-    </p:spTree>
-    <p:extLst>
-      <p:ext uri="{BB962C8B-B14F-4D97-AF65-F5344CB8AC3E}">
-        <p14:creationId xmlns:p14="http://schemas.microsoft.com/office/powerpoint/2010/main" val="3977889663"/>
+        <p14:creationId xmlns:p14="http://schemas.microsoft.com/office/powerpoint/2010/main" val="2659060028"/>
       </p:ext>
     </p:extLst>
   </p:cSld>
